--- a/ПрезентацияЗинькович.pptx
+++ b/ПрезентацияЗинькович.pptx
@@ -266,7 +266,7 @@
               <a:pPr>
                 <a:defRPr/>
               </a:pPr>
-              <a:t>15.05.17</a:t>
+              <a:t>17.05.17</a:t>
             </a:fld>
             <a:endParaRPr lang="be-BY"/>
           </a:p>
@@ -731,7 +731,7 @@
               <a:pPr>
                 <a:defRPr/>
               </a:pPr>
-              <a:t>15.05.17</a:t>
+              <a:t>17.05.17</a:t>
             </a:fld>
             <a:endParaRPr lang="be-BY"/>
           </a:p>
@@ -928,7 +928,7 @@
               <a:pPr>
                 <a:defRPr/>
               </a:pPr>
-              <a:t>15.05.17</a:t>
+              <a:t>17.05.17</a:t>
             </a:fld>
             <a:endParaRPr lang="be-BY"/>
           </a:p>
@@ -1135,7 +1135,7 @@
               <a:pPr>
                 <a:defRPr/>
               </a:pPr>
-              <a:t>15.05.17</a:t>
+              <a:t>17.05.17</a:t>
             </a:fld>
             <a:endParaRPr lang="be-BY"/>
           </a:p>
@@ -1332,7 +1332,7 @@
               <a:pPr>
                 <a:defRPr/>
               </a:pPr>
-              <a:t>15.05.17</a:t>
+              <a:t>17.05.17</a:t>
             </a:fld>
             <a:endParaRPr lang="be-BY"/>
           </a:p>
@@ -1605,7 +1605,7 @@
               <a:pPr>
                 <a:defRPr/>
               </a:pPr>
-              <a:t>15.05.17</a:t>
+              <a:t>17.05.17</a:t>
             </a:fld>
             <a:endParaRPr lang="be-BY"/>
           </a:p>
@@ -1864,7 +1864,7 @@
               <a:pPr>
                 <a:defRPr/>
               </a:pPr>
-              <a:t>15.05.17</a:t>
+              <a:t>17.05.17</a:t>
             </a:fld>
             <a:endParaRPr lang="be-BY"/>
           </a:p>
@@ -2258,7 +2258,7 @@
               <a:pPr>
                 <a:defRPr/>
               </a:pPr>
-              <a:t>15.05.17</a:t>
+              <a:t>17.05.17</a:t>
             </a:fld>
             <a:endParaRPr lang="be-BY"/>
           </a:p>
@@ -2403,7 +2403,7 @@
               <a:pPr>
                 <a:defRPr/>
               </a:pPr>
-              <a:t>15.05.17</a:t>
+              <a:t>17.05.17</a:t>
             </a:fld>
             <a:endParaRPr lang="be-BY"/>
           </a:p>
@@ -2525,7 +2525,7 @@
               <a:pPr>
                 <a:defRPr/>
               </a:pPr>
-              <a:t>15.05.17</a:t>
+              <a:t>17.05.17</a:t>
             </a:fld>
             <a:endParaRPr lang="be-BY"/>
           </a:p>
@@ -2829,7 +2829,7 @@
               <a:pPr>
                 <a:defRPr/>
               </a:pPr>
-              <a:t>15.05.17</a:t>
+              <a:t>17.05.17</a:t>
             </a:fld>
             <a:endParaRPr lang="be-BY"/>
           </a:p>
@@ -3116,7 +3116,7 @@
               <a:pPr>
                 <a:defRPr/>
               </a:pPr>
-              <a:t>15.05.17</a:t>
+              <a:t>17.05.17</a:t>
             </a:fld>
             <a:endParaRPr lang="be-BY"/>
           </a:p>
@@ -3413,7 +3413,7 @@
               <a:pPr>
                 <a:defRPr/>
               </a:pPr>
-              <a:t>15.05.17</a:t>
+              <a:t>17.05.17</a:t>
             </a:fld>
             <a:endParaRPr lang="be-BY"/>
           </a:p>
@@ -4085,10 +4085,6 @@
               </a:rPr>
               <a:t>Руководитель</a:t>
             </a:r>
-            <a:endParaRPr lang="ru-RU" b="1" dirty="0" smtClean="0">
-              <a:latin typeface="Segoe UI" panose="020B0502040204020203" pitchFamily="34" charset="0"/>
-              <a:cs typeface="Segoe UI" panose="020B0502040204020203" pitchFamily="34" charset="0"/>
-            </a:endParaRPr>
           </a:p>
           <a:p>
             <a:r>
@@ -4109,14 +4105,7 @@
                 <a:latin typeface="Segoe UI Light" panose="020B0502040204020203" pitchFamily="34" charset="0"/>
                 <a:cs typeface="Segoe UI Light" panose="020B0502040204020203" pitchFamily="34" charset="0"/>
               </a:rPr>
-              <a:t>доктор технических наук, </a:t>
-            </a:r>
-            <a:r>
-              <a:rPr lang="ru-RU" b="1" dirty="0" smtClean="0">
-                <a:latin typeface="Segoe UI Light" panose="020B0502040204020203" pitchFamily="34" charset="0"/>
-                <a:cs typeface="Segoe UI Light" panose="020B0502040204020203" pitchFamily="34" charset="0"/>
-              </a:rPr>
-              <a:t>профессор</a:t>
+              <a:t>доктор технических наук, профессор</a:t>
             </a:r>
           </a:p>
           <a:p>
@@ -5611,8 +5600,54 @@
                 <a:latin typeface="Segoe UI Light" panose="020B0502040204020203" pitchFamily="34" charset="0"/>
                 <a:cs typeface="Segoe UI Light" panose="020B0502040204020203" pitchFamily="34" charset="0"/>
               </a:rPr>
-              <a:t>Рынок пассажирских перевозок стремительно развивается, что обеспечило заинтересованность его участников в методах его анализа. </a:t>
-            </a:r>
+              <a:t>Рынок пассажирских перевозок стремительно </a:t>
+            </a:r>
+            <a:r>
+              <a:rPr lang="ru-RU" sz="2400" b="1" dirty="0" smtClean="0">
+                <a:latin typeface="Segoe UI Light" panose="020B0502040204020203" pitchFamily="34" charset="0"/>
+                <a:cs typeface="Segoe UI Light" panose="020B0502040204020203" pitchFamily="34" charset="0"/>
+              </a:rPr>
+              <a:t>развивается</a:t>
+            </a:r>
+            <a:r>
+              <a:rPr lang="en-US" sz="2400" b="1" dirty="0" smtClean="0">
+                <a:latin typeface="Segoe UI Light" panose="020B0502040204020203" pitchFamily="34" charset="0"/>
+                <a:cs typeface="Segoe UI Light" panose="020B0502040204020203" pitchFamily="34" charset="0"/>
+              </a:rPr>
+              <a:t>, </a:t>
+            </a:r>
+            <a:r>
+              <a:rPr lang="ru-RU" sz="2400" b="1" dirty="0" smtClean="0">
+                <a:latin typeface="Segoe UI Light" panose="020B0502040204020203" pitchFamily="34" charset="0"/>
+                <a:cs typeface="Segoe UI Light" panose="020B0502040204020203" pitchFamily="34" charset="0"/>
+              </a:rPr>
+              <a:t>появляются программные продукты </a:t>
+            </a:r>
+            <a:r>
+              <a:rPr lang="ru-RU" sz="2400" b="1" smtClean="0">
+                <a:latin typeface="Segoe UI Light" panose="020B0502040204020203" pitchFamily="34" charset="0"/>
+                <a:cs typeface="Segoe UI Light" panose="020B0502040204020203" pitchFamily="34" charset="0"/>
+              </a:rPr>
+              <a:t>повышающие эффективность его участников, и </a:t>
+            </a:r>
+            <a:r>
+              <a:rPr lang="ru-RU" sz="2400" b="1" dirty="0" smtClean="0">
+                <a:latin typeface="Segoe UI Light" panose="020B0502040204020203" pitchFamily="34" charset="0"/>
+                <a:cs typeface="Segoe UI Light" panose="020B0502040204020203" pitchFamily="34" charset="0"/>
+              </a:rPr>
+              <a:t>в то же время не существует продукта для комплексного анализа рынка</a:t>
+            </a:r>
+            <a:r>
+              <a:rPr lang="ru-RU" sz="2400" b="1" dirty="0" smtClean="0">
+                <a:latin typeface="Segoe UI Light" panose="020B0502040204020203" pitchFamily="34" charset="0"/>
+                <a:cs typeface="Segoe UI Light" panose="020B0502040204020203" pitchFamily="34" charset="0"/>
+              </a:rPr>
+              <a:t>. </a:t>
+            </a:r>
+            <a:endParaRPr lang="ru-RU" sz="2400" b="1" dirty="0" smtClean="0">
+              <a:latin typeface="Segoe UI Light" panose="020B0502040204020203" pitchFamily="34" charset="0"/>
+              <a:cs typeface="Segoe UI Light" panose="020B0502040204020203" pitchFamily="34" charset="0"/>
+            </a:endParaRPr>
           </a:p>
           <a:p>
             <a:r>
@@ -7812,7 +7847,7 @@
           <a:graphicData uri="http://schemas.openxmlformats.org/presentationml/2006/ole">
             <mc:AlternateContent xmlns:mc="http://schemas.openxmlformats.org/markup-compatibility/2006">
               <mc:Choice xmlns:v="urn:schemas-microsoft-com:vml" Requires="v">
-                <p:oleObj spid="_x0000_s8208" name="Visio" r:id="rId4" imgW="5467190" imgH="4057607" progId="Visio.Drawing.15">
+                <p:oleObj spid="_x0000_s8209" name="Visio" r:id="rId4" imgW="5467190" imgH="4057607" progId="Visio.Drawing.15">
                   <p:embed/>
                 </p:oleObj>
               </mc:Choice>
@@ -9479,7 +9514,7 @@
           <a:graphicData uri="http://schemas.openxmlformats.org/presentationml/2006/ole">
             <mc:AlternateContent xmlns:mc="http://schemas.openxmlformats.org/markup-compatibility/2006">
               <mc:Choice xmlns:v="urn:schemas-microsoft-com:vml" Requires="v">
-                <p:oleObj spid="_x0000_s11277" name="Visio" r:id="rId4" imgW="4781390" imgH="1867014" progId="Visio.Drawing.15">
+                <p:oleObj spid="_x0000_s11278" name="Visio" r:id="rId4" imgW="4781390" imgH="1867014" progId="Visio.Drawing.15">
                   <p:embed/>
                 </p:oleObj>
               </mc:Choice>
